--- a/poster_template.pptx
+++ b/poster_template.pptx
@@ -251,7 +251,7 @@
           <a:p>
             <a:fld id="{483EFB64-8FCA-0942-A13F-9204569A9036}" type="datetimeFigureOut">
               <a:rPr lang="en-GB" smtClean="0"/>
-              <a:t>22/03/2023</a:t>
+              <a:t>26/03/2023</a:t>
             </a:fld>
             <a:endParaRPr lang="en-GB"/>
           </a:p>
@@ -421,7 +421,7 @@
           <a:p>
             <a:fld id="{483EFB64-8FCA-0942-A13F-9204569A9036}" type="datetimeFigureOut">
               <a:rPr lang="en-GB" smtClean="0"/>
-              <a:t>22/03/2023</a:t>
+              <a:t>26/03/2023</a:t>
             </a:fld>
             <a:endParaRPr lang="en-GB"/>
           </a:p>
@@ -601,7 +601,7 @@
           <a:p>
             <a:fld id="{483EFB64-8FCA-0942-A13F-9204569A9036}" type="datetimeFigureOut">
               <a:rPr lang="en-GB" smtClean="0"/>
-              <a:t>22/03/2023</a:t>
+              <a:t>26/03/2023</a:t>
             </a:fld>
             <a:endParaRPr lang="en-GB"/>
           </a:p>
@@ -771,7 +771,7 @@
           <a:p>
             <a:fld id="{483EFB64-8FCA-0942-A13F-9204569A9036}" type="datetimeFigureOut">
               <a:rPr lang="en-GB" smtClean="0"/>
-              <a:t>22/03/2023</a:t>
+              <a:t>26/03/2023</a:t>
             </a:fld>
             <a:endParaRPr lang="en-GB"/>
           </a:p>
@@ -1015,7 +1015,7 @@
           <a:p>
             <a:fld id="{483EFB64-8FCA-0942-A13F-9204569A9036}" type="datetimeFigureOut">
               <a:rPr lang="en-GB" smtClean="0"/>
-              <a:t>22/03/2023</a:t>
+              <a:t>26/03/2023</a:t>
             </a:fld>
             <a:endParaRPr lang="en-GB"/>
           </a:p>
@@ -1247,7 +1247,7 @@
           <a:p>
             <a:fld id="{483EFB64-8FCA-0942-A13F-9204569A9036}" type="datetimeFigureOut">
               <a:rPr lang="en-GB" smtClean="0"/>
-              <a:t>22/03/2023</a:t>
+              <a:t>26/03/2023</a:t>
             </a:fld>
             <a:endParaRPr lang="en-GB"/>
           </a:p>
@@ -1614,7 +1614,7 @@
           <a:p>
             <a:fld id="{483EFB64-8FCA-0942-A13F-9204569A9036}" type="datetimeFigureOut">
               <a:rPr lang="en-GB" smtClean="0"/>
-              <a:t>22/03/2023</a:t>
+              <a:t>26/03/2023</a:t>
             </a:fld>
             <a:endParaRPr lang="en-GB"/>
           </a:p>
@@ -1732,7 +1732,7 @@
           <a:p>
             <a:fld id="{483EFB64-8FCA-0942-A13F-9204569A9036}" type="datetimeFigureOut">
               <a:rPr lang="en-GB" smtClean="0"/>
-              <a:t>22/03/2023</a:t>
+              <a:t>26/03/2023</a:t>
             </a:fld>
             <a:endParaRPr lang="en-GB"/>
           </a:p>
@@ -1827,7 +1827,7 @@
           <a:p>
             <a:fld id="{483EFB64-8FCA-0942-A13F-9204569A9036}" type="datetimeFigureOut">
               <a:rPr lang="en-GB" smtClean="0"/>
-              <a:t>22/03/2023</a:t>
+              <a:t>26/03/2023</a:t>
             </a:fld>
             <a:endParaRPr lang="en-GB"/>
           </a:p>
@@ -2104,7 +2104,7 @@
           <a:p>
             <a:fld id="{483EFB64-8FCA-0942-A13F-9204569A9036}" type="datetimeFigureOut">
               <a:rPr lang="en-GB" smtClean="0"/>
-              <a:t>22/03/2023</a:t>
+              <a:t>26/03/2023</a:t>
             </a:fld>
             <a:endParaRPr lang="en-GB"/>
           </a:p>
@@ -2361,7 +2361,7 @@
           <a:p>
             <a:fld id="{483EFB64-8FCA-0942-A13F-9204569A9036}" type="datetimeFigureOut">
               <a:rPr lang="en-GB" smtClean="0"/>
-              <a:t>22/03/2023</a:t>
+              <a:t>26/03/2023</a:t>
             </a:fld>
             <a:endParaRPr lang="en-GB"/>
           </a:p>
@@ -2574,7 +2574,7 @@
           <a:p>
             <a:fld id="{483EFB64-8FCA-0942-A13F-9204569A9036}" type="datetimeFigureOut">
               <a:rPr lang="en-GB" smtClean="0"/>
-              <a:t>22/03/2023</a:t>
+              <a:t>26/03/2023</a:t>
             </a:fld>
             <a:endParaRPr lang="en-GB"/>
           </a:p>
@@ -3107,8 +3107,8 @@
         </p:nvSpPr>
         <p:spPr>
           <a:xfrm>
-            <a:off x="914400" y="5173574"/>
-            <a:ext cx="19030950" cy="1022684"/>
+            <a:off x="816077" y="3233947"/>
+            <a:ext cx="19030950" cy="1498133"/>
           </a:xfrm>
           <a:prstGeom prst="rect">
             <a:avLst/>
@@ -3159,8 +3159,8 @@
         </p:nvSpPr>
         <p:spPr>
           <a:xfrm>
-            <a:off x="914400" y="6196258"/>
-            <a:ext cx="19030950" cy="5402179"/>
+            <a:off x="816077" y="4538916"/>
+            <a:ext cx="19030950" cy="3816605"/>
           </a:xfrm>
           <a:prstGeom prst="rect">
             <a:avLst/>
@@ -3193,7 +3193,7 @@
           <a:lstStyle/>
           <a:p>
             <a:pPr algn="ctr"/>
-            <a:endParaRPr lang="en-GB"/>
+            <a:endParaRPr lang="en-GB" dirty="0"/>
           </a:p>
         </p:txBody>
       </p:sp>
@@ -3211,7 +3211,7 @@
         </p:nvSpPr>
         <p:spPr>
           <a:xfrm>
-            <a:off x="1106905" y="5223251"/>
+            <a:off x="1120809" y="3550214"/>
             <a:ext cx="13018168" cy="923330"/>
           </a:xfrm>
           <a:prstGeom prst="rect">
@@ -3226,7 +3226,7 @@
           <a:lstStyle/>
           <a:p>
             <a:r>
-              <a:rPr lang="en-GB" sz="5400">
+              <a:rPr lang="en-GB" sz="5400" dirty="0">
                 <a:solidFill>
                   <a:srgbClr val="3333B2"/>
                 </a:solidFill>
@@ -3251,8 +3251,8 @@
         </p:nvSpPr>
         <p:spPr>
           <a:xfrm>
-            <a:off x="1106905" y="6385225"/>
-            <a:ext cx="18597519" cy="5216813"/>
+            <a:off x="1008334" y="4722350"/>
+            <a:ext cx="18597519" cy="2862322"/>
           </a:xfrm>
           <a:prstGeom prst="rect">
             <a:avLst/>
@@ -3271,290 +3271,20 @@
               </a:spcAft>
             </a:pPr>
             <a:r>
-              <a:rPr lang="en-GB" sz="2800"/>
-              <a:t>It is hard to give generic advice about what form your poster should take, since each project relates to a different topic and each student will be at a different stage </a:t>
-            </a:r>
-            <a:r>
-              <a:rPr lang="en-GB" sz="2800" err="1"/>
-              <a:t>wrt</a:t>
-            </a:r>
-            <a:r>
-              <a:rPr lang="en-GB" sz="2800"/>
-              <a:t>. completeness. Therefore, the best approach is to focus on the underlying aim of the poster presentation: essentially the intention is for you to get early, objective opinions about your work and then (ideally) improve it as a result.</a:t>
-            </a:r>
-            <a:endParaRPr lang="zh-CN" altLang="en-US" sz="2800"/>
-          </a:p>
-          <a:p>
-            <a:pPr>
-              <a:spcAft>
-                <a:spcPts val="600"/>
-              </a:spcAft>
-            </a:pPr>
-            <a:r>
-              <a:rPr lang="en-GB" sz="2800"/>
-              <a:t>With this in mind, one idea is to:</a:t>
-            </a:r>
-            <a:endParaRPr lang="en-GB" sz="2800">
-              <a:cs typeface="Calibri"/>
-            </a:endParaRPr>
-          </a:p>
-          <a:p>
-            <a:pPr marL="514350" indent="-514350">
-              <a:spcAft>
-                <a:spcPts val="600"/>
-              </a:spcAft>
-              <a:buClr>
-                <a:srgbClr val="3333B2"/>
-              </a:buClr>
-              <a:buFont typeface="+mj-lt"/>
-              <a:buAutoNum type="arabicPeriod"/>
-            </a:pPr>
-            <a:r>
-              <a:rPr lang="en-GB" sz="2800"/>
-              <a:t>think about how to explain your project to someone, and questions you might want an answer to or opinion on,</a:t>
-            </a:r>
-            <a:endParaRPr lang="en-GB" sz="2800">
-              <a:cs typeface="Calibri"/>
-            </a:endParaRPr>
-          </a:p>
-          <a:p>
-            <a:pPr marL="514350" indent="-514350">
-              <a:spcAft>
-                <a:spcPts val="600"/>
-              </a:spcAft>
-              <a:buClr>
-                <a:srgbClr val="3333B2"/>
-              </a:buClr>
-              <a:buFont typeface="+mj-lt"/>
-              <a:buAutoNum type="arabicPeriod"/>
-            </a:pPr>
-            <a:r>
-              <a:rPr lang="en-GB" sz="2800"/>
-              <a:t>consider the poster as a set of slides, which support an elevator </a:t>
-            </a:r>
-            <a:r>
-              <a:rPr lang="en-GB" sz="2800" err="1"/>
-              <a:t>pitch</a:t>
-            </a:r>
-            <a:r>
-              <a:rPr lang="en-GB" sz="2800" baseline="30000" err="1"/>
-              <a:t>a</a:t>
-            </a:r>
-            <a:r>
-              <a:rPr lang="en-GB" sz="2800"/>
-              <a:t> for either the technical and/or business plan part, </a:t>
-            </a:r>
-            <a:endParaRPr lang="en-GB" sz="2800">
-              <a:cs typeface="Calibri"/>
-            </a:endParaRPr>
-          </a:p>
-          <a:p>
-            <a:pPr marL="514350" indent="-514350">
-              <a:spcAft>
-                <a:spcPts val="600"/>
-              </a:spcAft>
-              <a:buClr>
-                <a:srgbClr val="3333B2"/>
-              </a:buClr>
-              <a:buFont typeface="+mj-lt"/>
-              <a:buAutoNum type="arabicPeriod"/>
-            </a:pPr>
-            <a:r>
-              <a:rPr lang="en-GB" sz="2800"/>
-              <a:t>then focus the poster content on the part you feel you need the most input on.</a:t>
-            </a:r>
-            <a:endParaRPr lang="en-GB" sz="2800">
-              <a:cs typeface="Calibri"/>
-            </a:endParaRPr>
-          </a:p>
-          <a:p>
-            <a:pPr>
-              <a:spcAft>
-                <a:spcPts val="600"/>
-              </a:spcAft>
-            </a:pPr>
-            <a:r>
-              <a:rPr lang="en-GB" sz="2800"/>
-              <a:t>Another approach is to adopt standard advice about developing research </a:t>
-            </a:r>
-            <a:r>
-              <a:rPr lang="en-GB" sz="2800" err="1"/>
-              <a:t>posters</a:t>
-            </a:r>
-            <a:r>
-              <a:rPr lang="en-GB" sz="2800" baseline="30000" err="1"/>
-              <a:t>b</a:t>
-            </a:r>
-            <a:r>
-              <a:rPr lang="en-GB" sz="2800"/>
-              <a:t>, then produce a stand-alone result that summarises your project (see examples on walls throughout the MVB). Either way, the blocks below attempt to outline some potential examples of content, but note you need not stick to them</a:t>
-            </a:r>
-            <a:endParaRPr lang="en-GB" sz="2800">
-              <a:cs typeface="Calibri"/>
-            </a:endParaRPr>
-          </a:p>
-        </p:txBody>
-      </p:sp>
-      <p:sp>
-        <p:nvSpPr>
-          <p:cNvPr id="13" name="TextBox 12">
+              <a:rPr lang="en-GB" sz="3600" dirty="0">
+                <a:cs typeface="Calibri"/>
+              </a:rPr>
+              <a:t>Bayesian networks have been widely used in the area of AI, medical diagnosis, decision making processes, and more.  However, learning Bayesian networks from data is considered to be an NP-hard problem. Researchers have come up with two main approaches for finding the best Bayesian network given the data. A score-based approach and a constraint-based approach. This project will primarily cover the constraint-based approach to learning Bayesian networks from data.</a:t>
+            </a:r>
+          </a:p>
+        </p:txBody>
+      </p:sp>
+      <p:sp>
+        <p:nvSpPr>
+          <p:cNvPr id="29" name="Rectangle 28">
             <a:extLst>
               <a:ext uri="{FF2B5EF4-FFF2-40B4-BE49-F238E27FC236}">
-                <a16:creationId xmlns:a16="http://schemas.microsoft.com/office/drawing/2014/main" id="{D34190F1-6C58-8384-F494-C737CC90401F}"/>
-              </a:ext>
-            </a:extLst>
-          </p:cNvPr>
-          <p:cNvSpPr txBox="1"/>
-          <p:nvPr/>
-        </p:nvSpPr>
-        <p:spPr>
-          <a:xfrm>
-            <a:off x="1106905" y="11648114"/>
-            <a:ext cx="10547213" cy="646331"/>
-          </a:xfrm>
-          <a:prstGeom prst="rect">
-            <a:avLst/>
-          </a:prstGeom>
-          <a:noFill/>
-        </p:spPr>
-        <p:txBody>
-          <a:bodyPr wrap="square" rtlCol="0">
-            <a:spAutoFit/>
-          </a:bodyPr>
-          <a:lstStyle/>
-          <a:p>
-            <a:r>
-              <a:rPr lang="en-GB" baseline="30000" err="1"/>
-              <a:t>a</a:t>
-            </a:r>
-            <a:r>
-              <a:rPr lang="en-GB" err="1">
-                <a:solidFill>
-                  <a:srgbClr val="FF0000"/>
-                </a:solidFill>
-                <a:hlinkClick r:id="rId4">
-                  <a:extLst>
-                    <a:ext uri="{A12FA001-AC4F-418D-AE19-62706E023703}">
-                      <ahyp:hlinkClr xmlns:ahyp="http://schemas.microsoft.com/office/drawing/2018/hyperlinkcolor" val="tx"/>
-                    </a:ext>
-                  </a:extLst>
-                </a:hlinkClick>
-              </a:rPr>
-              <a:t>http</a:t>
-            </a:r>
-            <a:r>
-              <a:rPr lang="en-GB">
-                <a:solidFill>
-                  <a:srgbClr val="FF0000"/>
-                </a:solidFill>
-                <a:hlinkClick r:id="rId4">
-                  <a:extLst>
-                    <a:ext uri="{A12FA001-AC4F-418D-AE19-62706E023703}">
-                      <ahyp:hlinkClr xmlns:ahyp="http://schemas.microsoft.com/office/drawing/2018/hyperlinkcolor" val="tx"/>
-                    </a:ext>
-                  </a:extLst>
-                </a:hlinkClick>
-              </a:rPr>
-              <a:t>://en.wikipedia.org/wiki/Elevator_pitch</a:t>
-            </a:r>
-            <a:endParaRPr lang="en-GB">
-              <a:solidFill>
-                <a:srgbClr val="FF0000"/>
-              </a:solidFill>
-            </a:endParaRPr>
-          </a:p>
-          <a:p>
-            <a:r>
-              <a:rPr lang="en-GB" baseline="30000" err="1"/>
-              <a:t>b</a:t>
-            </a:r>
-            <a:r>
-              <a:rPr lang="en-GB" err="1">
-                <a:solidFill>
-                  <a:srgbClr val="FF0000"/>
-                </a:solidFill>
-                <a:hlinkClick r:id="rId5">
-                  <a:extLst>
-                    <a:ext uri="{A12FA001-AC4F-418D-AE19-62706E023703}">
-                      <ahyp:hlinkClr xmlns:ahyp="http://schemas.microsoft.com/office/drawing/2018/hyperlinkcolor" val="tx"/>
-                    </a:ext>
-                  </a:extLst>
-                </a:hlinkClick>
-              </a:rPr>
-              <a:t>https</a:t>
-            </a:r>
-            <a:r>
-              <a:rPr lang="en-GB">
-                <a:solidFill>
-                  <a:srgbClr val="FF0000"/>
-                </a:solidFill>
-                <a:hlinkClick r:id="rId5">
-                  <a:extLst>
-                    <a:ext uri="{A12FA001-AC4F-418D-AE19-62706E023703}">
-                      <ahyp:hlinkClr xmlns:ahyp="http://schemas.microsoft.com/office/drawing/2018/hyperlinkcolor" val="tx"/>
-                    </a:ext>
-                  </a:extLst>
-                </a:hlinkClick>
-              </a:rPr>
-              <a:t>://colinpurrington.com/tips/poster-design/</a:t>
-            </a:r>
-            <a:endParaRPr lang="en-GB">
-              <a:solidFill>
-                <a:srgbClr val="FF0000"/>
-              </a:solidFill>
-            </a:endParaRPr>
-          </a:p>
-        </p:txBody>
-      </p:sp>
-      <p:cxnSp>
-        <p:nvCxnSpPr>
-          <p:cNvPr id="15" name="Straight Connector 14">
-            <a:extLst>
-              <a:ext uri="{FF2B5EF4-FFF2-40B4-BE49-F238E27FC236}">
-                <a16:creationId xmlns:a16="http://schemas.microsoft.com/office/drawing/2014/main" id="{2462E025-5603-AD10-B4B0-234A6221266D}"/>
-              </a:ext>
-            </a:extLst>
-          </p:cNvPr>
-          <p:cNvCxnSpPr>
-            <a:cxnSpLocks/>
-          </p:cNvCxnSpPr>
-          <p:nvPr/>
-        </p:nvCxnSpPr>
-        <p:spPr>
-          <a:xfrm>
-            <a:off x="914400" y="11648114"/>
-            <a:ext cx="5191932" cy="0"/>
-          </a:xfrm>
-          <a:prstGeom prst="line">
-            <a:avLst/>
-          </a:prstGeom>
-          <a:ln w="28575">
-            <a:solidFill>
-              <a:schemeClr val="tx1"/>
-            </a:solidFill>
-          </a:ln>
-        </p:spPr>
-        <p:style>
-          <a:lnRef idx="1">
-            <a:schemeClr val="accent1"/>
-          </a:lnRef>
-          <a:fillRef idx="0">
-            <a:schemeClr val="accent1"/>
-          </a:fillRef>
-          <a:effectRef idx="0">
-            <a:schemeClr val="accent1"/>
-          </a:effectRef>
-          <a:fontRef idx="minor">
-            <a:schemeClr val="tx1"/>
-          </a:fontRef>
-        </p:style>
-      </p:cxnSp>
-      <p:sp>
-        <p:nvSpPr>
-          <p:cNvPr id="17" name="Rectangle 16">
-            <a:extLst>
-              <a:ext uri="{FF2B5EF4-FFF2-40B4-BE49-F238E27FC236}">
-                <a16:creationId xmlns:a16="http://schemas.microsoft.com/office/drawing/2014/main" id="{FC80DF16-B0A1-E1E6-D793-346CD0F1D720}"/>
+                <a16:creationId xmlns:a16="http://schemas.microsoft.com/office/drawing/2014/main" id="{99A14BCB-392E-A9F9-14C6-7DD60FA6A68F}"/>
               </a:ext>
             </a:extLst>
           </p:cNvPr>
@@ -3563,8 +3293,8 @@
         </p:nvSpPr>
         <p:spPr>
           <a:xfrm>
-            <a:off x="914400" y="12986853"/>
-            <a:ext cx="8544910" cy="1022684"/>
+            <a:off x="11471890" y="16608925"/>
+            <a:ext cx="8544910" cy="1051094"/>
           </a:xfrm>
           <a:prstGeom prst="rect">
             <a:avLst/>
@@ -3603,10 +3333,10 @@
       </p:sp>
       <p:sp>
         <p:nvSpPr>
-          <p:cNvPr id="18" name="Rectangle 17">
+          <p:cNvPr id="30" name="Rectangle 29">
             <a:extLst>
               <a:ext uri="{FF2B5EF4-FFF2-40B4-BE49-F238E27FC236}">
-                <a16:creationId xmlns:a16="http://schemas.microsoft.com/office/drawing/2014/main" id="{1A21E5A4-C59A-C35A-B432-0CE445F1A827}"/>
+                <a16:creationId xmlns:a16="http://schemas.microsoft.com/office/drawing/2014/main" id="{8F265C85-287C-B394-E6ED-56C09D0A660B}"/>
               </a:ext>
             </a:extLst>
           </p:cNvPr>
@@ -3615,8 +3345,8 @@
         </p:nvSpPr>
         <p:spPr>
           <a:xfrm>
-            <a:off x="914400" y="14009537"/>
-            <a:ext cx="8544910" cy="4235933"/>
+            <a:off x="11471890" y="17566085"/>
+            <a:ext cx="8544910" cy="4316933"/>
           </a:xfrm>
           <a:prstGeom prst="rect">
             <a:avLst/>
@@ -3655,10 +3385,10 @@
       </p:sp>
       <p:sp>
         <p:nvSpPr>
-          <p:cNvPr id="19" name="TextBox 18">
+          <p:cNvPr id="31" name="TextBox 30">
             <a:extLst>
               <a:ext uri="{FF2B5EF4-FFF2-40B4-BE49-F238E27FC236}">
-                <a16:creationId xmlns:a16="http://schemas.microsoft.com/office/drawing/2014/main" id="{E2E7849A-9A5D-35B1-4390-9B45C41DE8A2}"/>
+                <a16:creationId xmlns:a16="http://schemas.microsoft.com/office/drawing/2014/main" id="{2D65F320-AA1F-4184-6652-04BB39ACBEB3}"/>
               </a:ext>
             </a:extLst>
           </p:cNvPr>
@@ -3667,7 +3397,7 @@
         </p:nvSpPr>
         <p:spPr>
           <a:xfrm>
-            <a:off x="1106905" y="13036530"/>
+            <a:off x="11502700" y="16667874"/>
             <a:ext cx="8352405" cy="923330"/>
           </a:xfrm>
           <a:prstGeom prst="rect">
@@ -3682,23 +3412,23 @@
           <a:lstStyle/>
           <a:p>
             <a:r>
-              <a:rPr lang="en-GB" sz="5400">
+              <a:rPr lang="en-GB" sz="5400" dirty="0">
                 <a:solidFill>
                   <a:srgbClr val="3333B2"/>
                 </a:solidFill>
                 <a:latin typeface="+mj-lt"/>
               </a:rPr>
-              <a:t>1. Project Introduction</a:t>
-            </a:r>
-          </a:p>
-        </p:txBody>
-      </p:sp>
-      <p:sp>
-        <p:nvSpPr>
-          <p:cNvPr id="20" name="TextBox 19">
+              <a:t>What Are Constraints?</a:t>
+            </a:r>
+          </a:p>
+        </p:txBody>
+      </p:sp>
+      <p:sp>
+        <p:nvSpPr>
+          <p:cNvPr id="32" name="TextBox 31">
             <a:extLst>
               <a:ext uri="{FF2B5EF4-FFF2-40B4-BE49-F238E27FC236}">
-                <a16:creationId xmlns:a16="http://schemas.microsoft.com/office/drawing/2014/main" id="{92BE8208-409C-3F82-BDD2-C5F08EA4AFC6}"/>
+                <a16:creationId xmlns:a16="http://schemas.microsoft.com/office/drawing/2014/main" id="{F521344E-0F67-1DB0-A3D5-18F2080D3540}"/>
               </a:ext>
             </a:extLst>
           </p:cNvPr>
@@ -3707,8 +3437,8 @@
         </p:nvSpPr>
         <p:spPr>
           <a:xfrm>
-            <a:off x="1106905" y="14198504"/>
-            <a:ext cx="8352405" cy="3970318"/>
+            <a:off x="11614150" y="17695044"/>
+            <a:ext cx="8232877" cy="3108543"/>
           </a:xfrm>
           <a:prstGeom prst="rect">
             <a:avLst/>
@@ -3720,102 +3450,195 @@
             <a:spAutoFit/>
           </a:bodyPr>
           <a:lstStyle/>
-          <a:p>
-            <a:r>
-              <a:rPr lang="en-GB" sz="2800">
-                <a:ea typeface="+mn-lt"/>
-                <a:cs typeface="+mn-lt"/>
-              </a:rPr>
-              <a:t>In this section you want to sell the concept of the project to the reader. You can think of this as answering the questions below:</a:t>
-            </a:r>
-            <a:endParaRPr lang="en-US"/>
-          </a:p>
-          <a:p>
-            <a:pPr marL="457200" indent="-457200">
-              <a:buClr>
-                <a:srgbClr val="3333B2"/>
-              </a:buClr>
-              <a:buFont typeface="Wingdings" pitchFamily="2" charset="2"/>
-              <a:buChar char="Ø"/>
-            </a:pPr>
-            <a:r>
-              <a:rPr lang="en-GB" sz="2800">
-                <a:ea typeface="+mn-lt"/>
-                <a:cs typeface="+mn-lt"/>
-              </a:rPr>
-              <a:t>Why is the Project Interesting/useful?</a:t>
-            </a:r>
-            <a:endParaRPr lang="en-GB"/>
-          </a:p>
-          <a:p>
-            <a:pPr marL="457200" indent="-457200">
-              <a:buClr>
-                <a:srgbClr val="3333B2"/>
-              </a:buClr>
-              <a:buFont typeface="Wingdings" pitchFamily="2" charset="2"/>
-              <a:buChar char="Ø"/>
-            </a:pPr>
-            <a:r>
-              <a:rPr lang="en-GB" sz="2800">
-                <a:ea typeface="+mn-lt"/>
-                <a:cs typeface="+mn-lt"/>
-              </a:rPr>
-              <a:t>What has come before it?</a:t>
-            </a:r>
-            <a:endParaRPr lang="en-GB"/>
-          </a:p>
-          <a:p>
-            <a:pPr marL="457200" indent="-457200">
-              <a:buClr>
-                <a:srgbClr val="3333B2"/>
-              </a:buClr>
-              <a:buFont typeface="Wingdings" pitchFamily="2" charset="2"/>
-              <a:buChar char="Ø"/>
-            </a:pPr>
-            <a:r>
-              <a:rPr lang="en-GB" sz="2800">
-                <a:ea typeface="+mn-lt"/>
-                <a:cs typeface="+mn-lt"/>
-              </a:rPr>
-              <a:t>How is this project different from what has already been done?</a:t>
-            </a:r>
-            <a:endParaRPr lang="en-GB"/>
-          </a:p>
-          <a:p>
-            <a:pPr marL="457200" indent="-457200">
-              <a:buClr>
-                <a:srgbClr val="3333B2"/>
-              </a:buClr>
-              <a:buFont typeface="Wingdings" pitchFamily="2" charset="2"/>
-              <a:buChar char="Ø"/>
-            </a:pPr>
-            <a:r>
-              <a:rPr lang="en-GB" sz="2800">
-                <a:ea typeface="+mn-lt"/>
-                <a:cs typeface="+mn-lt"/>
-              </a:rPr>
-              <a:t>What is the end goal of the project?</a:t>
-            </a:r>
-            <a:endParaRPr lang="en-GB"/>
-          </a:p>
           <a:p>
             <a:pPr>
               <a:spcAft>
                 <a:spcPts val="600"/>
               </a:spcAft>
             </a:pPr>
-            <a:endParaRPr lang="en-GB" sz="2800">
-              <a:cs typeface="Calibri"/>
-            </a:endParaRPr>
-          </a:p>
-        </p:txBody>
-      </p:sp>
-      <p:sp>
-        <p:nvSpPr>
-          <p:cNvPr id="25" name="Rectangle 24">
+            <a:r>
+              <a:rPr lang="en-GB" sz="2800" dirty="0"/>
+              <a:t>A constraint-based approach such as the PC algorithm starts by learning the skeleton (skeletal learning) of the graph by identifying constraints (independence assertions) of the form  (X </a:t>
+            </a:r>
+            <a:r>
+              <a:rPr lang="en-MY" sz="2800" dirty="0"/>
+              <a:t>⊥ Y | Z), which means X is independent of Y given Z. An edge will be included in the skeleton if there is no identified independence assertion.  [2]</a:t>
+            </a:r>
+            <a:endParaRPr lang="en-GB" sz="2800" dirty="0"/>
+          </a:p>
+        </p:txBody>
+      </p:sp>
+      <p:sp>
+        <p:nvSpPr>
+          <p:cNvPr id="37" name="TextBox 36">
             <a:extLst>
               <a:ext uri="{FF2B5EF4-FFF2-40B4-BE49-F238E27FC236}">
-                <a16:creationId xmlns:a16="http://schemas.microsoft.com/office/drawing/2014/main" id="{695983B6-7791-6469-E588-AB2F9FAD04C6}"/>
+                <a16:creationId xmlns:a16="http://schemas.microsoft.com/office/drawing/2014/main" id="{AF5C775F-4042-1E20-3138-8B143AEEBD5B}"/>
+              </a:ext>
+            </a:extLst>
+          </p:cNvPr>
+          <p:cNvSpPr txBox="1"/>
+          <p:nvPr/>
+        </p:nvSpPr>
+        <p:spPr>
+          <a:xfrm>
+            <a:off x="883590" y="285668"/>
+            <a:ext cx="17010710" cy="923330"/>
+          </a:xfrm>
+          <a:prstGeom prst="rect">
+            <a:avLst/>
+          </a:prstGeom>
+          <a:noFill/>
+        </p:spPr>
+        <p:txBody>
+          <a:bodyPr wrap="square" rtlCol="0">
+            <a:spAutoFit/>
+          </a:bodyPr>
+          <a:lstStyle/>
+          <a:p>
+            <a:r>
+              <a:rPr lang="en-GB" sz="5400" dirty="0">
+                <a:solidFill>
+                  <a:schemeClr val="bg1"/>
+                </a:solidFill>
+                <a:latin typeface="+mj-lt"/>
+              </a:rPr>
+              <a:t>Constraint-Based Approach to Learning Bayesian Networks</a:t>
+            </a:r>
+          </a:p>
+        </p:txBody>
+      </p:sp>
+      <p:sp>
+        <p:nvSpPr>
+          <p:cNvPr id="38" name="TextBox 37">
+            <a:extLst>
+              <a:ext uri="{FF2B5EF4-FFF2-40B4-BE49-F238E27FC236}">
+                <a16:creationId xmlns:a16="http://schemas.microsoft.com/office/drawing/2014/main" id="{152C0750-6E95-57AF-CB4C-1CBD0EF9D70F}"/>
+              </a:ext>
+            </a:extLst>
+          </p:cNvPr>
+          <p:cNvSpPr txBox="1"/>
+          <p:nvPr/>
+        </p:nvSpPr>
+        <p:spPr>
+          <a:xfrm>
+            <a:off x="883590" y="1299951"/>
+            <a:ext cx="16064707" cy="584775"/>
+          </a:xfrm>
+          <a:prstGeom prst="rect">
+            <a:avLst/>
+          </a:prstGeom>
+          <a:noFill/>
+        </p:spPr>
+        <p:txBody>
+          <a:bodyPr wrap="square" rtlCol="0">
+            <a:spAutoFit/>
+          </a:bodyPr>
+          <a:lstStyle/>
+          <a:p>
+            <a:r>
+              <a:rPr lang="en-GB" sz="3200" dirty="0">
+                <a:solidFill>
+                  <a:schemeClr val="bg1"/>
+                </a:solidFill>
+                <a:latin typeface="+mj-lt"/>
+              </a:rPr>
+              <a:t>Student: Zhi Peen Su, Supervisor: James </a:t>
+            </a:r>
+            <a:r>
+              <a:rPr lang="en-GB" sz="3200" dirty="0" err="1">
+                <a:solidFill>
+                  <a:schemeClr val="bg1"/>
+                </a:solidFill>
+                <a:latin typeface="+mj-lt"/>
+              </a:rPr>
+              <a:t>Cussens</a:t>
+            </a:r>
+            <a:endParaRPr lang="en-GB" sz="3200" dirty="0">
+              <a:solidFill>
+                <a:schemeClr val="bg1"/>
+              </a:solidFill>
+              <a:latin typeface="+mj-lt"/>
+            </a:endParaRPr>
+          </a:p>
+        </p:txBody>
+      </p:sp>
+      <p:sp>
+        <p:nvSpPr>
+          <p:cNvPr id="39" name="TextBox 38">
+            <a:extLst>
+              <a:ext uri="{FF2B5EF4-FFF2-40B4-BE49-F238E27FC236}">
+                <a16:creationId xmlns:a16="http://schemas.microsoft.com/office/drawing/2014/main" id="{047843CD-9C3E-71DE-AE8E-7B9B4BDFF195}"/>
+              </a:ext>
+            </a:extLst>
+          </p:cNvPr>
+          <p:cNvSpPr txBox="1"/>
+          <p:nvPr/>
+        </p:nvSpPr>
+        <p:spPr>
+          <a:xfrm>
+            <a:off x="883590" y="2069759"/>
+            <a:ext cx="16064707" cy="584775"/>
+          </a:xfrm>
+          <a:prstGeom prst="rect">
+            <a:avLst/>
+          </a:prstGeom>
+          <a:noFill/>
+        </p:spPr>
+        <p:txBody>
+          <a:bodyPr wrap="square" rtlCol="0">
+            <a:spAutoFit/>
+          </a:bodyPr>
+          <a:lstStyle/>
+          <a:p>
+            <a:r>
+              <a:rPr lang="en-GB" sz="3200" dirty="0">
+                <a:solidFill>
+                  <a:schemeClr val="bg1"/>
+                </a:solidFill>
+                <a:latin typeface="+mj-lt"/>
+              </a:rPr>
+              <a:t>University of Bristol, Department of Computer Science</a:t>
+            </a:r>
+          </a:p>
+        </p:txBody>
+      </p:sp>
+      <p:pic>
+        <p:nvPicPr>
+          <p:cNvPr id="3" name="Picture 2">
+            <a:extLst>
+              <a:ext uri="{FF2B5EF4-FFF2-40B4-BE49-F238E27FC236}">
+                <a16:creationId xmlns:a16="http://schemas.microsoft.com/office/drawing/2014/main" id="{BF510B07-2BD0-A4F5-4221-4F11BB6E6EDD}"/>
+              </a:ext>
+            </a:extLst>
+          </p:cNvPr>
+          <p:cNvPicPr>
+            <a:picLocks noChangeAspect="1"/>
+          </p:cNvPicPr>
+          <p:nvPr/>
+        </p:nvPicPr>
+        <p:blipFill>
+          <a:blip r:embed="rId4"/>
+          <a:stretch>
+            <a:fillRect/>
+          </a:stretch>
+        </p:blipFill>
+        <p:spPr>
+          <a:xfrm>
+            <a:off x="914400" y="9638245"/>
+            <a:ext cx="6030167" cy="6430272"/>
+          </a:xfrm>
+          <a:prstGeom prst="rect">
+            <a:avLst/>
+          </a:prstGeom>
+        </p:spPr>
+      </p:pic>
+      <p:sp>
+        <p:nvSpPr>
+          <p:cNvPr id="4" name="Arrow: Right 3">
+            <a:extLst>
+              <a:ext uri="{FF2B5EF4-FFF2-40B4-BE49-F238E27FC236}">
+                <a16:creationId xmlns:a16="http://schemas.microsoft.com/office/drawing/2014/main" id="{D26278CC-C5C8-7152-2929-CAA44BBC6BB0}"/>
               </a:ext>
             </a:extLst>
           </p:cNvPr>
@@ -3824,18 +3647,12 @@
         </p:nvSpPr>
         <p:spPr>
           <a:xfrm>
-            <a:off x="11336645" y="12986853"/>
-            <a:ext cx="8544910" cy="1022684"/>
-          </a:xfrm>
-          <a:prstGeom prst="rect">
+            <a:off x="7586325" y="12622166"/>
+            <a:ext cx="4673600" cy="1022684"/>
+          </a:xfrm>
+          <a:prstGeom prst="rightArrow">
             <a:avLst/>
           </a:prstGeom>
-          <a:solidFill>
-            <a:srgbClr val="D7D7F0"/>
-          </a:solidFill>
-          <a:ln>
-            <a:noFill/>
-          </a:ln>
         </p:spPr>
         <p:style>
           <a:lnRef idx="2">
@@ -3858,16 +3675,175 @@
           <a:lstStyle/>
           <a:p>
             <a:pPr algn="ctr"/>
-            <a:endParaRPr lang="en-GB"/>
-          </a:p>
-        </p:txBody>
-      </p:sp>
-      <p:sp>
-        <p:nvSpPr>
-          <p:cNvPr id="26" name="Rectangle 25">
+            <a:r>
+              <a:rPr lang="en-US" sz="3200" dirty="0"/>
+              <a:t>Learning</a:t>
+            </a:r>
+            <a:endParaRPr lang="en-MY" dirty="0"/>
+          </a:p>
+        </p:txBody>
+      </p:sp>
+      <p:sp>
+        <p:nvSpPr>
+          <p:cNvPr id="6" name="TextBox 5">
             <a:extLst>
               <a:ext uri="{FF2B5EF4-FFF2-40B4-BE49-F238E27FC236}">
-                <a16:creationId xmlns:a16="http://schemas.microsoft.com/office/drawing/2014/main" id="{14D21190-438A-8BE5-F538-575AB9CF1CE5}"/>
+                <a16:creationId xmlns:a16="http://schemas.microsoft.com/office/drawing/2014/main" id="{AB7185A0-85E0-9803-89C1-0BFEAB0B13E0}"/>
+              </a:ext>
+            </a:extLst>
+          </p:cNvPr>
+          <p:cNvSpPr txBox="1"/>
+          <p:nvPr/>
+        </p:nvSpPr>
+        <p:spPr>
+          <a:xfrm>
+            <a:off x="1671793" y="16146241"/>
+            <a:ext cx="5369668" cy="461665"/>
+          </a:xfrm>
+          <a:prstGeom prst="rect">
+            <a:avLst/>
+          </a:prstGeom>
+          <a:noFill/>
+        </p:spPr>
+        <p:txBody>
+          <a:bodyPr wrap="square" rtlCol="0">
+            <a:spAutoFit/>
+          </a:bodyPr>
+          <a:lstStyle/>
+          <a:p>
+            <a:r>
+              <a:rPr lang="en-US" sz="2400" dirty="0"/>
+              <a:t>asia_10000, small network (&lt;10 nodes)</a:t>
+            </a:r>
+            <a:endParaRPr lang="en-MY" sz="2400" dirty="0"/>
+          </a:p>
+        </p:txBody>
+      </p:sp>
+      <p:sp>
+        <p:nvSpPr>
+          <p:cNvPr id="13" name="TextBox 12">
+            <a:extLst>
+              <a:ext uri="{FF2B5EF4-FFF2-40B4-BE49-F238E27FC236}">
+                <a16:creationId xmlns:a16="http://schemas.microsoft.com/office/drawing/2014/main" id="{C3533551-5E82-2CDB-C1FB-099206F01D05}"/>
+              </a:ext>
+            </a:extLst>
+          </p:cNvPr>
+          <p:cNvSpPr txBox="1"/>
+          <p:nvPr/>
+        </p:nvSpPr>
+        <p:spPr>
+          <a:xfrm>
+            <a:off x="7878653" y="11745943"/>
+            <a:ext cx="4001032" cy="584775"/>
+          </a:xfrm>
+          <a:prstGeom prst="rect">
+            <a:avLst/>
+          </a:prstGeom>
+          <a:noFill/>
+        </p:spPr>
+        <p:txBody>
+          <a:bodyPr wrap="none" rtlCol="0">
+            <a:spAutoFit/>
+          </a:bodyPr>
+          <a:lstStyle/>
+          <a:p>
+            <a:r>
+              <a:rPr lang="en-US" sz="3200" b="1" dirty="0"/>
+              <a:t>Score-Based Approach</a:t>
+            </a:r>
+            <a:endParaRPr lang="en-MY" sz="3200" b="1" dirty="0"/>
+          </a:p>
+        </p:txBody>
+      </p:sp>
+      <p:sp>
+        <p:nvSpPr>
+          <p:cNvPr id="14" name="TextBox 13">
+            <a:extLst>
+              <a:ext uri="{FF2B5EF4-FFF2-40B4-BE49-F238E27FC236}">
+                <a16:creationId xmlns:a16="http://schemas.microsoft.com/office/drawing/2014/main" id="{ACCDD80F-DF87-D73B-FB7F-7F0FB504EBCF}"/>
+              </a:ext>
+            </a:extLst>
+          </p:cNvPr>
+          <p:cNvSpPr txBox="1"/>
+          <p:nvPr/>
+        </p:nvSpPr>
+        <p:spPr>
+          <a:xfrm>
+            <a:off x="7689741" y="13904878"/>
+            <a:ext cx="4826962" cy="584775"/>
+          </a:xfrm>
+          <a:prstGeom prst="rect">
+            <a:avLst/>
+          </a:prstGeom>
+          <a:noFill/>
+        </p:spPr>
+        <p:txBody>
+          <a:bodyPr wrap="none" rtlCol="0">
+            <a:spAutoFit/>
+          </a:bodyPr>
+          <a:lstStyle/>
+          <a:p>
+            <a:r>
+              <a:rPr lang="en-US" sz="3200" b="1" dirty="0"/>
+              <a:t>Constraint-Based Approach</a:t>
+            </a:r>
+            <a:endParaRPr lang="en-MY" sz="3200" b="1" dirty="0"/>
+          </a:p>
+        </p:txBody>
+      </p:sp>
+      <p:pic>
+        <p:nvPicPr>
+          <p:cNvPr id="1026" name="Picture 2">
+            <a:extLst>
+              <a:ext uri="{FF2B5EF4-FFF2-40B4-BE49-F238E27FC236}">
+                <a16:creationId xmlns:a16="http://schemas.microsoft.com/office/drawing/2014/main" id="{BA4FD6E7-D524-36BF-3EDC-BC0AB0874D78}"/>
+              </a:ext>
+            </a:extLst>
+          </p:cNvPr>
+          <p:cNvPicPr>
+            <a:picLocks noChangeAspect="1" noChangeArrowheads="1"/>
+          </p:cNvPicPr>
+          <p:nvPr/>
+        </p:nvPicPr>
+        <p:blipFill>
+          <a:blip r:embed="rId5">
+            <a:extLst>
+              <a:ext uri="{28A0092B-C50C-407E-A947-70E740481C1C}">
+                <a14:useLocalDpi xmlns:a14="http://schemas.microsoft.com/office/drawing/2010/main" val="0"/>
+              </a:ext>
+            </a:extLst>
+          </a:blip>
+          <a:srcRect/>
+          <a:stretch>
+            <a:fillRect/>
+          </a:stretch>
+        </p:blipFill>
+        <p:spPr bwMode="auto">
+          <a:xfrm>
+            <a:off x="12552253" y="9887349"/>
+            <a:ext cx="7644535" cy="5774221"/>
+          </a:xfrm>
+          <a:prstGeom prst="rect">
+            <a:avLst/>
+          </a:prstGeom>
+          <a:noFill/>
+          <a:extLst>
+            <a:ext uri="{909E8E84-426E-40DD-AFC4-6F175D3DCCD1}">
+              <a14:hiddenFill xmlns:a14="http://schemas.microsoft.com/office/drawing/2010/main">
+                <a:solidFill>
+                  <a:srgbClr val="FFFFFF"/>
+                </a:solidFill>
+              </a14:hiddenFill>
+            </a:ext>
+          </a:extLst>
+        </p:spPr>
+      </p:pic>
+      <p:sp>
+        <p:nvSpPr>
+          <p:cNvPr id="16" name="Rectangle 15">
+            <a:extLst>
+              <a:ext uri="{FF2B5EF4-FFF2-40B4-BE49-F238E27FC236}">
+                <a16:creationId xmlns:a16="http://schemas.microsoft.com/office/drawing/2014/main" id="{E2777D5A-989F-662B-6B89-6CADFB6E16CF}"/>
               </a:ext>
             </a:extLst>
           </p:cNvPr>
@@ -3876,14 +3852,14 @@
         </p:nvSpPr>
         <p:spPr>
           <a:xfrm>
-            <a:off x="11336645" y="14009538"/>
-            <a:ext cx="8544910" cy="3097456"/>
+            <a:off x="883590" y="22431131"/>
+            <a:ext cx="8544910" cy="1091235"/>
           </a:xfrm>
           <a:prstGeom prst="rect">
             <a:avLst/>
           </a:prstGeom>
           <a:solidFill>
-            <a:srgbClr val="EBEBF7"/>
+            <a:srgbClr val="D7D7F0"/>
           </a:solidFill>
           <a:ln>
             <a:noFill/>
@@ -3916,138 +3892,10 @@
       </p:sp>
       <p:sp>
         <p:nvSpPr>
-          <p:cNvPr id="27" name="TextBox 26">
+          <p:cNvPr id="17" name="Rectangle 16">
             <a:extLst>
               <a:ext uri="{FF2B5EF4-FFF2-40B4-BE49-F238E27FC236}">
-                <a16:creationId xmlns:a16="http://schemas.microsoft.com/office/drawing/2014/main" id="{2676783B-2BAD-23C7-233A-97967C3AE61F}"/>
-              </a:ext>
-            </a:extLst>
-          </p:cNvPr>
-          <p:cNvSpPr txBox="1"/>
-          <p:nvPr/>
-        </p:nvSpPr>
-        <p:spPr>
-          <a:xfrm>
-            <a:off x="11529150" y="13036530"/>
-            <a:ext cx="8352405" cy="923330"/>
-          </a:xfrm>
-          <a:prstGeom prst="rect">
-            <a:avLst/>
-          </a:prstGeom>
-          <a:noFill/>
-        </p:spPr>
-        <p:txBody>
-          <a:bodyPr wrap="square" rtlCol="0">
-            <a:spAutoFit/>
-          </a:bodyPr>
-          <a:lstStyle/>
-          <a:p>
-            <a:r>
-              <a:rPr lang="en-GB" sz="5400">
-                <a:solidFill>
-                  <a:srgbClr val="3333B2"/>
-                </a:solidFill>
-                <a:latin typeface="+mj-lt"/>
-              </a:rPr>
-              <a:t>2. Main Problem/Deliverable</a:t>
-            </a:r>
-          </a:p>
-        </p:txBody>
-      </p:sp>
-      <p:sp>
-        <p:nvSpPr>
-          <p:cNvPr id="28" name="TextBox 27">
-            <a:extLst>
-              <a:ext uri="{FF2B5EF4-FFF2-40B4-BE49-F238E27FC236}">
-                <a16:creationId xmlns:a16="http://schemas.microsoft.com/office/drawing/2014/main" id="{B510377C-C98E-6888-491C-3F317D201EA5}"/>
-              </a:ext>
-            </a:extLst>
-          </p:cNvPr>
-          <p:cNvSpPr txBox="1"/>
-          <p:nvPr/>
-        </p:nvSpPr>
-        <p:spPr>
-          <a:xfrm>
-            <a:off x="11529150" y="14198504"/>
-            <a:ext cx="8352405" cy="2908489"/>
-          </a:xfrm>
-          <a:prstGeom prst="rect">
-            <a:avLst/>
-          </a:prstGeom>
-          <a:noFill/>
-        </p:spPr>
-        <p:txBody>
-          <a:bodyPr wrap="square" rtlCol="0">
-            <a:spAutoFit/>
-          </a:bodyPr>
-          <a:lstStyle/>
-          <a:p>
-            <a:pPr>
-              <a:spcAft>
-                <a:spcPts val="600"/>
-              </a:spcAft>
-            </a:pPr>
-            <a:r>
-              <a:rPr lang="en-GB" sz="2800"/>
-              <a:t>Here you may describe the main problem that you are trying to solve in more detail, or the deliverable that you will be working to deliver. You can do this by:</a:t>
-            </a:r>
-          </a:p>
-          <a:p>
-            <a:pPr marL="457200" indent="-457200">
-              <a:spcAft>
-                <a:spcPts val="600"/>
-              </a:spcAft>
-              <a:buClr>
-                <a:srgbClr val="3333B2"/>
-              </a:buClr>
-              <a:buFont typeface="Wingdings" pitchFamily="2" charset="2"/>
-              <a:buChar char="Ø"/>
-            </a:pPr>
-            <a:r>
-              <a:rPr lang="en-GB" sz="2800"/>
-              <a:t>Showing a figure of the method</a:t>
-            </a:r>
-          </a:p>
-          <a:p>
-            <a:pPr marL="457200" indent="-457200">
-              <a:spcAft>
-                <a:spcPts val="600"/>
-              </a:spcAft>
-              <a:buClr>
-                <a:srgbClr val="3333B2"/>
-              </a:buClr>
-              <a:buFont typeface="Wingdings" pitchFamily="2" charset="2"/>
-              <a:buChar char="Ø"/>
-            </a:pPr>
-            <a:r>
-              <a:rPr lang="en-GB" sz="2800"/>
-              <a:t>Describing the problem setup/specification</a:t>
-            </a:r>
-          </a:p>
-          <a:p>
-            <a:pPr marL="457200" indent="-457200">
-              <a:spcAft>
-                <a:spcPts val="600"/>
-              </a:spcAft>
-              <a:buClr>
-                <a:srgbClr val="3333B2"/>
-              </a:buClr>
-              <a:buFont typeface="Wingdings" pitchFamily="2" charset="2"/>
-              <a:buChar char="Ø"/>
-            </a:pPr>
-            <a:r>
-              <a:rPr lang="en-GB" sz="2800"/>
-              <a:t>Showing figure(s) of the designs</a:t>
-            </a:r>
-          </a:p>
-        </p:txBody>
-      </p:sp>
-      <p:sp>
-        <p:nvSpPr>
-          <p:cNvPr id="29" name="Rectangle 28">
-            <a:extLst>
-              <a:ext uri="{FF2B5EF4-FFF2-40B4-BE49-F238E27FC236}">
-                <a16:creationId xmlns:a16="http://schemas.microsoft.com/office/drawing/2014/main" id="{99A14BCB-392E-A9F9-14C6-7DD60FA6A68F}"/>
+                <a16:creationId xmlns:a16="http://schemas.microsoft.com/office/drawing/2014/main" id="{D354AC63-7828-5165-2199-02E6C1757A15}"/>
               </a:ext>
             </a:extLst>
           </p:cNvPr>
@@ -4056,14 +3904,14 @@
         </p:nvSpPr>
         <p:spPr>
           <a:xfrm>
-            <a:off x="914400" y="20199056"/>
-            <a:ext cx="8544910" cy="1022684"/>
+            <a:off x="883590" y="23522366"/>
+            <a:ext cx="8544910" cy="4237478"/>
           </a:xfrm>
           <a:prstGeom prst="rect">
             <a:avLst/>
           </a:prstGeom>
           <a:solidFill>
-            <a:srgbClr val="D7D7F0"/>
+            <a:srgbClr val="EBEBF7"/>
           </a:solidFill>
           <a:ln>
             <a:noFill/>
@@ -4096,10 +3944,211 @@
       </p:sp>
       <p:sp>
         <p:nvSpPr>
-          <p:cNvPr id="30" name="Rectangle 29">
+          <p:cNvPr id="18" name="TextBox 17">
             <a:extLst>
               <a:ext uri="{FF2B5EF4-FFF2-40B4-BE49-F238E27FC236}">
-                <a16:creationId xmlns:a16="http://schemas.microsoft.com/office/drawing/2014/main" id="{8F265C85-287C-B394-E6ED-56C09D0A660B}"/>
+                <a16:creationId xmlns:a16="http://schemas.microsoft.com/office/drawing/2014/main" id="{0B7B4DF4-7476-0BC9-E1B4-A1A920A54DBF}"/>
+              </a:ext>
+            </a:extLst>
+          </p:cNvPr>
+          <p:cNvSpPr txBox="1"/>
+          <p:nvPr/>
+        </p:nvSpPr>
+        <p:spPr>
+          <a:xfrm>
+            <a:off x="979842" y="22512131"/>
+            <a:ext cx="8352405" cy="923330"/>
+          </a:xfrm>
+          <a:prstGeom prst="rect">
+            <a:avLst/>
+          </a:prstGeom>
+          <a:noFill/>
+        </p:spPr>
+        <p:txBody>
+          <a:bodyPr wrap="square" rtlCol="0">
+            <a:spAutoFit/>
+          </a:bodyPr>
+          <a:lstStyle/>
+          <a:p>
+            <a:r>
+              <a:rPr lang="en-GB" sz="5400" dirty="0">
+                <a:solidFill>
+                  <a:srgbClr val="3333B2"/>
+                </a:solidFill>
+                <a:latin typeface="+mj-lt"/>
+              </a:rPr>
+              <a:t>Score-Based Approach</a:t>
+            </a:r>
+          </a:p>
+        </p:txBody>
+      </p:sp>
+      <p:sp>
+        <p:nvSpPr>
+          <p:cNvPr id="19" name="TextBox 18">
+            <a:extLst>
+              <a:ext uri="{FF2B5EF4-FFF2-40B4-BE49-F238E27FC236}">
+                <a16:creationId xmlns:a16="http://schemas.microsoft.com/office/drawing/2014/main" id="{22A394C3-4DB0-D834-A24A-DE14B40970A4}"/>
+              </a:ext>
+            </a:extLst>
+          </p:cNvPr>
+          <p:cNvSpPr txBox="1"/>
+          <p:nvPr/>
+        </p:nvSpPr>
+        <p:spPr>
+          <a:xfrm>
+            <a:off x="1022619" y="23656828"/>
+            <a:ext cx="8352405" cy="2677656"/>
+          </a:xfrm>
+          <a:prstGeom prst="rect">
+            <a:avLst/>
+          </a:prstGeom>
+          <a:noFill/>
+        </p:spPr>
+        <p:txBody>
+          <a:bodyPr wrap="square" lIns="91440" tIns="45720" rIns="91440" bIns="45720" rtlCol="0" anchor="t">
+            <a:spAutoFit/>
+          </a:bodyPr>
+          <a:lstStyle/>
+          <a:p>
+            <a:pPr>
+              <a:spcAft>
+                <a:spcPts val="600"/>
+              </a:spcAft>
+            </a:pPr>
+            <a:r>
+              <a:rPr lang="en-GB" sz="2800" dirty="0"/>
+              <a:t>A score-based approach searches over all possible Bayesian network structures to find the best factorization of the joint distribution implied by the training data. The model selection criterion uses a penalized likelihood score such as the </a:t>
+            </a:r>
+            <a:r>
+              <a:rPr lang="en-GB" sz="2800" dirty="0" err="1"/>
+              <a:t>BDeu</a:t>
+            </a:r>
+            <a:r>
+              <a:rPr lang="en-GB" sz="2800" dirty="0"/>
+              <a:t> [3]. This has been implemented in </a:t>
+            </a:r>
+            <a:r>
+              <a:rPr lang="en-GB" sz="2800" dirty="0" err="1"/>
+              <a:t>pygobnilp</a:t>
+            </a:r>
+            <a:r>
+              <a:rPr lang="en-GB" sz="2800" dirty="0"/>
+              <a:t>.</a:t>
+            </a:r>
+          </a:p>
+        </p:txBody>
+      </p:sp>
+      <p:sp>
+        <p:nvSpPr>
+          <p:cNvPr id="21" name="TextBox 20">
+            <a:extLst>
+              <a:ext uri="{FF2B5EF4-FFF2-40B4-BE49-F238E27FC236}">
+                <a16:creationId xmlns:a16="http://schemas.microsoft.com/office/drawing/2014/main" id="{93BBFB7E-11CE-57B0-23DE-FF286250D5A3}"/>
+              </a:ext>
+            </a:extLst>
+          </p:cNvPr>
+          <p:cNvSpPr txBox="1"/>
+          <p:nvPr/>
+        </p:nvSpPr>
+        <p:spPr>
+          <a:xfrm>
+            <a:off x="914400" y="8802967"/>
+            <a:ext cx="10699750" cy="369332"/>
+          </a:xfrm>
+          <a:prstGeom prst="rect">
+            <a:avLst/>
+          </a:prstGeom>
+          <a:noFill/>
+        </p:spPr>
+        <p:txBody>
+          <a:bodyPr wrap="square">
+            <a:spAutoFit/>
+          </a:bodyPr>
+          <a:lstStyle/>
+          <a:p>
+            <a:r>
+              <a:rPr lang="en-MY" dirty="0"/>
+              <a:t>[2] https://scholarworks.umass.edu/cgi/viewcontent.cgi?article=1174&amp;context=open_access_dissertations</a:t>
+            </a:r>
+          </a:p>
+        </p:txBody>
+      </p:sp>
+      <p:sp>
+        <p:nvSpPr>
+          <p:cNvPr id="23" name="TextBox 22">
+            <a:extLst>
+              <a:ext uri="{FF2B5EF4-FFF2-40B4-BE49-F238E27FC236}">
+                <a16:creationId xmlns:a16="http://schemas.microsoft.com/office/drawing/2014/main" id="{5170BD7F-B8B8-0F20-76E1-CD7F89DFE93E}"/>
+              </a:ext>
+            </a:extLst>
+          </p:cNvPr>
+          <p:cNvSpPr txBox="1"/>
+          <p:nvPr/>
+        </p:nvSpPr>
+        <p:spPr>
+          <a:xfrm>
+            <a:off x="914400" y="8419529"/>
+            <a:ext cx="10699750" cy="369332"/>
+          </a:xfrm>
+          <a:prstGeom prst="rect">
+            <a:avLst/>
+          </a:prstGeom>
+          <a:noFill/>
+        </p:spPr>
+        <p:txBody>
+          <a:bodyPr wrap="square">
+            <a:spAutoFit/>
+          </a:bodyPr>
+          <a:lstStyle/>
+          <a:p>
+            <a:r>
+              <a:rPr lang="en-MY" dirty="0"/>
+              <a:t>[1] https://en.wikipedia.org/wiki/Bayesian_network</a:t>
+            </a:r>
+          </a:p>
+        </p:txBody>
+      </p:sp>
+      <p:sp>
+        <p:nvSpPr>
+          <p:cNvPr id="25" name="TextBox 24">
+            <a:extLst>
+              <a:ext uri="{FF2B5EF4-FFF2-40B4-BE49-F238E27FC236}">
+                <a16:creationId xmlns:a16="http://schemas.microsoft.com/office/drawing/2014/main" id="{AE8FBD51-2B1F-6A3C-AC46-F60AC50C9ECD}"/>
+              </a:ext>
+            </a:extLst>
+          </p:cNvPr>
+          <p:cNvSpPr txBox="1"/>
+          <p:nvPr/>
+        </p:nvSpPr>
+        <p:spPr>
+          <a:xfrm>
+            <a:off x="914400" y="9188698"/>
+            <a:ext cx="10699750" cy="369332"/>
+          </a:xfrm>
+          <a:prstGeom prst="rect">
+            <a:avLst/>
+          </a:prstGeom>
+          <a:noFill/>
+        </p:spPr>
+        <p:txBody>
+          <a:bodyPr wrap="square">
+            <a:spAutoFit/>
+          </a:bodyPr>
+          <a:lstStyle/>
+          <a:p>
+            <a:r>
+              <a:rPr lang="en-MY" dirty="0"/>
+              <a:t>[3] Judea Pearl. Probabilistic Reasoning in Intelligent Systems. https://dl.acm.org/doi/10.5555/534975</a:t>
+            </a:r>
+          </a:p>
+        </p:txBody>
+      </p:sp>
+      <p:sp>
+        <p:nvSpPr>
+          <p:cNvPr id="26" name="Rectangle 25">
+            <a:extLst>
+              <a:ext uri="{FF2B5EF4-FFF2-40B4-BE49-F238E27FC236}">
+                <a16:creationId xmlns:a16="http://schemas.microsoft.com/office/drawing/2014/main" id="{D2235E98-8BA5-454C-0F60-98CFF28C48A5}"/>
               </a:ext>
             </a:extLst>
           </p:cNvPr>
@@ -4108,14 +4157,14 @@
         </p:nvSpPr>
         <p:spPr>
           <a:xfrm>
-            <a:off x="914400" y="21221740"/>
-            <a:ext cx="8544910" cy="4235933"/>
+            <a:off x="11471890" y="22431131"/>
+            <a:ext cx="8544910" cy="1091235"/>
           </a:xfrm>
           <a:prstGeom prst="rect">
             <a:avLst/>
           </a:prstGeom>
           <a:solidFill>
-            <a:srgbClr val="EBEBF7"/>
+            <a:srgbClr val="D7D7F0"/>
           </a:solidFill>
           <a:ln>
             <a:noFill/>
@@ -4148,138 +4197,10 @@
       </p:sp>
       <p:sp>
         <p:nvSpPr>
-          <p:cNvPr id="31" name="TextBox 30">
+          <p:cNvPr id="27" name="Rectangle 26">
             <a:extLst>
               <a:ext uri="{FF2B5EF4-FFF2-40B4-BE49-F238E27FC236}">
-                <a16:creationId xmlns:a16="http://schemas.microsoft.com/office/drawing/2014/main" id="{2D65F320-AA1F-4184-6652-04BB39ACBEB3}"/>
-              </a:ext>
-            </a:extLst>
-          </p:cNvPr>
-          <p:cNvSpPr txBox="1"/>
-          <p:nvPr/>
-        </p:nvSpPr>
-        <p:spPr>
-          <a:xfrm>
-            <a:off x="1106905" y="20248733"/>
-            <a:ext cx="8352405" cy="923330"/>
-          </a:xfrm>
-          <a:prstGeom prst="rect">
-            <a:avLst/>
-          </a:prstGeom>
-          <a:noFill/>
-        </p:spPr>
-        <p:txBody>
-          <a:bodyPr wrap="square" rtlCol="0">
-            <a:spAutoFit/>
-          </a:bodyPr>
-          <a:lstStyle/>
-          <a:p>
-            <a:r>
-              <a:rPr lang="en-GB" sz="5400">
-                <a:solidFill>
-                  <a:srgbClr val="3333B2"/>
-                </a:solidFill>
-                <a:latin typeface="+mj-lt"/>
-              </a:rPr>
-              <a:t>3. Preliminary Results</a:t>
-            </a:r>
-          </a:p>
-        </p:txBody>
-      </p:sp>
-      <p:sp>
-        <p:nvSpPr>
-          <p:cNvPr id="32" name="TextBox 31">
-            <a:extLst>
-              <a:ext uri="{FF2B5EF4-FFF2-40B4-BE49-F238E27FC236}">
-                <a16:creationId xmlns:a16="http://schemas.microsoft.com/office/drawing/2014/main" id="{F521344E-0F67-1DB0-A3D5-18F2080D3540}"/>
-              </a:ext>
-            </a:extLst>
-          </p:cNvPr>
-          <p:cNvSpPr txBox="1"/>
-          <p:nvPr/>
-        </p:nvSpPr>
-        <p:spPr>
-          <a:xfrm>
-            <a:off x="1106905" y="21410707"/>
-            <a:ext cx="8352405" cy="2908489"/>
-          </a:xfrm>
-          <a:prstGeom prst="rect">
-            <a:avLst/>
-          </a:prstGeom>
-          <a:noFill/>
-        </p:spPr>
-        <p:txBody>
-          <a:bodyPr wrap="square" lIns="91440" tIns="45720" rIns="91440" bIns="45720" rtlCol="0" anchor="t">
-            <a:spAutoFit/>
-          </a:bodyPr>
-          <a:lstStyle/>
-          <a:p>
-            <a:pPr>
-              <a:spcAft>
-                <a:spcPts val="600"/>
-              </a:spcAft>
-            </a:pPr>
-            <a:r>
-              <a:rPr lang="en-GB" sz="2800"/>
-              <a:t>Preliminary results could be in the form of a:</a:t>
-            </a:r>
-          </a:p>
-          <a:p>
-            <a:pPr marL="457200" indent="-457200">
-              <a:spcAft>
-                <a:spcPts val="600"/>
-              </a:spcAft>
-              <a:buClr>
-                <a:srgbClr val="3333B2"/>
-              </a:buClr>
-              <a:buFont typeface="Wingdings" pitchFamily="2" charset="2"/>
-              <a:buChar char="Ø"/>
-            </a:pPr>
-            <a:r>
-              <a:rPr lang="en-GB" sz="2800"/>
-              <a:t>Table of results</a:t>
-            </a:r>
-          </a:p>
-          <a:p>
-            <a:pPr marL="457200" indent="-457200">
-              <a:spcAft>
-                <a:spcPts val="600"/>
-              </a:spcAft>
-              <a:buClr>
-                <a:srgbClr val="3333B2"/>
-              </a:buClr>
-              <a:buFont typeface="Wingdings" pitchFamily="2" charset="2"/>
-              <a:buChar char="Ø"/>
-            </a:pPr>
-            <a:r>
-              <a:rPr lang="en-GB" sz="2800"/>
-              <a:t>Figures, such as line/bar/scatter plots – remember captions!</a:t>
-            </a:r>
-          </a:p>
-          <a:p>
-            <a:pPr marL="457200" indent="-457200">
-              <a:spcAft>
-                <a:spcPts val="600"/>
-              </a:spcAft>
-              <a:buClr>
-                <a:srgbClr val="3333B2"/>
-              </a:buClr>
-              <a:buFont typeface="Wingdings" pitchFamily="2" charset="2"/>
-              <a:buChar char="Ø"/>
-            </a:pPr>
-            <a:r>
-              <a:rPr lang="en-GB" sz="2800"/>
-              <a:t>Qualitative results showing examples of what you have achieved so far.</a:t>
-            </a:r>
-          </a:p>
-        </p:txBody>
-      </p:sp>
-      <p:sp>
-        <p:nvSpPr>
-          <p:cNvPr id="33" name="Rectangle 32">
-            <a:extLst>
-              <a:ext uri="{FF2B5EF4-FFF2-40B4-BE49-F238E27FC236}">
-                <a16:creationId xmlns:a16="http://schemas.microsoft.com/office/drawing/2014/main" id="{F341A803-1B12-3DB2-842D-48E72C663872}"/>
+                <a16:creationId xmlns:a16="http://schemas.microsoft.com/office/drawing/2014/main" id="{8F51D5AC-E2EC-E6AF-F583-D97A4CCF35D1}"/>
               </a:ext>
             </a:extLst>
           </p:cNvPr>
@@ -4288,14 +4209,14 @@
         </p:nvSpPr>
         <p:spPr>
           <a:xfrm>
-            <a:off x="11336645" y="20199056"/>
-            <a:ext cx="8544910" cy="1022684"/>
+            <a:off x="11471890" y="23531738"/>
+            <a:ext cx="8544910" cy="4228106"/>
           </a:xfrm>
           <a:prstGeom prst="rect">
             <a:avLst/>
           </a:prstGeom>
           <a:solidFill>
-            <a:srgbClr val="D7D7F0"/>
+            <a:srgbClr val="EBEBF7"/>
           </a:solidFill>
           <a:ln>
             <a:noFill/>
@@ -4328,10 +4249,99 @@
       </p:sp>
       <p:sp>
         <p:nvSpPr>
-          <p:cNvPr id="34" name="Rectangle 33">
+          <p:cNvPr id="28" name="TextBox 27">
             <a:extLst>
               <a:ext uri="{FF2B5EF4-FFF2-40B4-BE49-F238E27FC236}">
-                <a16:creationId xmlns:a16="http://schemas.microsoft.com/office/drawing/2014/main" id="{F518CEBE-5871-8CA5-2002-58FF4C3B1992}"/>
+                <a16:creationId xmlns:a16="http://schemas.microsoft.com/office/drawing/2014/main" id="{01B268EF-0DCD-5551-73D0-C9326F7E308E}"/>
+              </a:ext>
+            </a:extLst>
+          </p:cNvPr>
+          <p:cNvSpPr txBox="1"/>
+          <p:nvPr/>
+        </p:nvSpPr>
+        <p:spPr>
+          <a:xfrm>
+            <a:off x="11568142" y="22512131"/>
+            <a:ext cx="8352405" cy="923330"/>
+          </a:xfrm>
+          <a:prstGeom prst="rect">
+            <a:avLst/>
+          </a:prstGeom>
+          <a:noFill/>
+        </p:spPr>
+        <p:txBody>
+          <a:bodyPr wrap="square" rtlCol="0">
+            <a:spAutoFit/>
+          </a:bodyPr>
+          <a:lstStyle/>
+          <a:p>
+            <a:r>
+              <a:rPr lang="en-GB" sz="5400" dirty="0">
+                <a:solidFill>
+                  <a:srgbClr val="3333B2"/>
+                </a:solidFill>
+                <a:latin typeface="+mj-lt"/>
+              </a:rPr>
+              <a:t>Objective</a:t>
+            </a:r>
+          </a:p>
+        </p:txBody>
+      </p:sp>
+      <p:sp>
+        <p:nvSpPr>
+          <p:cNvPr id="40" name="TextBox 39">
+            <a:extLst>
+              <a:ext uri="{FF2B5EF4-FFF2-40B4-BE49-F238E27FC236}">
+                <a16:creationId xmlns:a16="http://schemas.microsoft.com/office/drawing/2014/main" id="{E48F8110-2181-9AF5-F283-1F224DE3B78D}"/>
+              </a:ext>
+            </a:extLst>
+          </p:cNvPr>
+          <p:cNvSpPr txBox="1"/>
+          <p:nvPr/>
+        </p:nvSpPr>
+        <p:spPr>
+          <a:xfrm>
+            <a:off x="11568141" y="23669778"/>
+            <a:ext cx="8352405" cy="2677656"/>
+          </a:xfrm>
+          <a:prstGeom prst="rect">
+            <a:avLst/>
+          </a:prstGeom>
+          <a:noFill/>
+        </p:spPr>
+        <p:txBody>
+          <a:bodyPr wrap="square" lIns="91440" tIns="45720" rIns="91440" bIns="45720" rtlCol="0" anchor="t">
+            <a:spAutoFit/>
+          </a:bodyPr>
+          <a:lstStyle/>
+          <a:p>
+            <a:pPr>
+              <a:spcAft>
+                <a:spcPts val="600"/>
+              </a:spcAft>
+            </a:pPr>
+            <a:r>
+              <a:rPr lang="en-US" sz="2800" dirty="0"/>
+              <a:t>As of now, utilizing only a score-based approach to learn Bayesian networks can take a long time and sometimes be unfeasible depending on the size of the network. The goal is to combine both score-based approach and constraint-based approach to form a hybrid approach, which subsequently reduces the runtime of </a:t>
+            </a:r>
+            <a:r>
+              <a:rPr lang="en-US" sz="2800" dirty="0" err="1"/>
+              <a:t>pygobnilp</a:t>
+            </a:r>
+            <a:r>
+              <a:rPr lang="en-US" sz="2800" dirty="0"/>
+              <a:t>.</a:t>
+            </a:r>
+            <a:endParaRPr lang="en-GB" sz="2800" dirty="0"/>
+          </a:p>
+        </p:txBody>
+      </p:sp>
+      <p:sp>
+        <p:nvSpPr>
+          <p:cNvPr id="41" name="Rectangle 40">
+            <a:extLst>
+              <a:ext uri="{FF2B5EF4-FFF2-40B4-BE49-F238E27FC236}">
+                <a16:creationId xmlns:a16="http://schemas.microsoft.com/office/drawing/2014/main" id="{EB439FE3-D766-FB33-30AC-0B142BD1066A}"/>
               </a:ext>
             </a:extLst>
           </p:cNvPr>
@@ -4340,14 +4350,14 @@
         </p:nvSpPr>
         <p:spPr>
           <a:xfrm>
-            <a:off x="11336645" y="21221741"/>
-            <a:ext cx="8544910" cy="3097456"/>
+            <a:off x="830114" y="16698649"/>
+            <a:ext cx="8544910" cy="1022684"/>
           </a:xfrm>
           <a:prstGeom prst="rect">
             <a:avLst/>
           </a:prstGeom>
           <a:solidFill>
-            <a:srgbClr val="EBEBF7"/>
+            <a:srgbClr val="D7D7F0"/>
           </a:solidFill>
           <a:ln>
             <a:noFill/>
@@ -4380,10 +4390,62 @@
       </p:sp>
       <p:sp>
         <p:nvSpPr>
-          <p:cNvPr id="35" name="TextBox 34">
+          <p:cNvPr id="42" name="Rectangle 41">
             <a:extLst>
               <a:ext uri="{FF2B5EF4-FFF2-40B4-BE49-F238E27FC236}">
-                <a16:creationId xmlns:a16="http://schemas.microsoft.com/office/drawing/2014/main" id="{9B5F34D9-6B6D-FC0D-608F-667B2C7BFDD8}"/>
+                <a16:creationId xmlns:a16="http://schemas.microsoft.com/office/drawing/2014/main" id="{B210708E-00C1-F3D3-E354-1EB70C5BAC1E}"/>
+              </a:ext>
+            </a:extLst>
+          </p:cNvPr>
+          <p:cNvSpPr/>
+          <p:nvPr/>
+        </p:nvSpPr>
+        <p:spPr>
+          <a:xfrm>
+            <a:off x="830114" y="17655809"/>
+            <a:ext cx="8544910" cy="4235933"/>
+          </a:xfrm>
+          <a:prstGeom prst="rect">
+            <a:avLst/>
+          </a:prstGeom>
+          <a:solidFill>
+            <a:srgbClr val="EBEBF7"/>
+          </a:solidFill>
+          <a:ln>
+            <a:noFill/>
+          </a:ln>
+        </p:spPr>
+        <p:style>
+          <a:lnRef idx="2">
+            <a:schemeClr val="accent1">
+              <a:shade val="50000"/>
+            </a:schemeClr>
+          </a:lnRef>
+          <a:fillRef idx="1">
+            <a:schemeClr val="accent1"/>
+          </a:fillRef>
+          <a:effectRef idx="0">
+            <a:schemeClr val="accent1"/>
+          </a:effectRef>
+          <a:fontRef idx="minor">
+            <a:schemeClr val="lt1"/>
+          </a:fontRef>
+        </p:style>
+        <p:txBody>
+          <a:bodyPr rtlCol="0" anchor="ctr"/>
+          <a:lstStyle/>
+          <a:p>
+            <a:pPr algn="ctr"/>
+            <a:endParaRPr lang="en-GB"/>
+          </a:p>
+        </p:txBody>
+      </p:sp>
+      <p:sp>
+        <p:nvSpPr>
+          <p:cNvPr id="43" name="TextBox 42">
+            <a:extLst>
+              <a:ext uri="{FF2B5EF4-FFF2-40B4-BE49-F238E27FC236}">
+                <a16:creationId xmlns:a16="http://schemas.microsoft.com/office/drawing/2014/main" id="{4D9E7609-5EEF-B35D-20ED-F17440EB1E81}"/>
               </a:ext>
             </a:extLst>
           </p:cNvPr>
@@ -4392,7 +4454,7 @@
         </p:nvSpPr>
         <p:spPr>
           <a:xfrm>
-            <a:off x="11529150" y="20248733"/>
+            <a:off x="860924" y="16757598"/>
             <a:ext cx="8352405" cy="923330"/>
           </a:xfrm>
           <a:prstGeom prst="rect">
@@ -4407,23 +4469,23 @@
           <a:lstStyle/>
           <a:p>
             <a:r>
-              <a:rPr lang="en-GB" sz="5400">
+              <a:rPr lang="en-GB" sz="5400" dirty="0">
                 <a:solidFill>
                   <a:srgbClr val="3333B2"/>
                 </a:solidFill>
                 <a:latin typeface="+mj-lt"/>
               </a:rPr>
-              <a:t>4. Progress and Status</a:t>
-            </a:r>
-          </a:p>
-        </p:txBody>
-      </p:sp>
-      <p:sp>
-        <p:nvSpPr>
-          <p:cNvPr id="36" name="TextBox 35">
+              <a:t>What is a Bayesian Network?</a:t>
+            </a:r>
+          </a:p>
+        </p:txBody>
+      </p:sp>
+      <p:sp>
+        <p:nvSpPr>
+          <p:cNvPr id="44" name="TextBox 43">
             <a:extLst>
               <a:ext uri="{FF2B5EF4-FFF2-40B4-BE49-F238E27FC236}">
-                <a16:creationId xmlns:a16="http://schemas.microsoft.com/office/drawing/2014/main" id="{7D350FAD-10A1-5CE8-D4DE-ED3E3317A712}"/>
+                <a16:creationId xmlns:a16="http://schemas.microsoft.com/office/drawing/2014/main" id="{208CF454-30E8-E30E-A8B6-D40DD1D57737}"/>
               </a:ext>
             </a:extLst>
           </p:cNvPr>
@@ -4432,8 +4494,8 @@
         </p:nvSpPr>
         <p:spPr>
           <a:xfrm>
-            <a:off x="11529150" y="21410707"/>
-            <a:ext cx="8352405" cy="2908489"/>
+            <a:off x="1039605" y="17812076"/>
+            <a:ext cx="8232877" cy="3108543"/>
           </a:xfrm>
           <a:prstGeom prst="rect">
             <a:avLst/>
@@ -4441,7 +4503,7 @@
           <a:noFill/>
         </p:spPr>
         <p:txBody>
-          <a:bodyPr wrap="square" rtlCol="0">
+          <a:bodyPr wrap="square" lIns="91440" tIns="45720" rIns="91440" bIns="45720" rtlCol="0" anchor="t">
             <a:spAutoFit/>
           </a:bodyPr>
           <a:lstStyle/>
@@ -4452,177 +4514,18 @@
               </a:spcAft>
             </a:pPr>
             <a:r>
-              <a:rPr lang="en-GB" sz="2800"/>
-              <a:t>Example content might include:</a:t>
-            </a:r>
-          </a:p>
-          <a:p>
-            <a:pPr marL="457200" indent="-457200">
-              <a:spcAft>
-                <a:spcPts val="600"/>
-              </a:spcAft>
-              <a:buClr>
-                <a:srgbClr val="3333B2"/>
-              </a:buClr>
-              <a:buFont typeface="Wingdings" pitchFamily="2" charset="2"/>
-              <a:buChar char="Ø"/>
-            </a:pPr>
-            <a:r>
-              <a:rPr lang="en-GB" sz="2800"/>
-              <a:t>A list of complete and incomplete aims and objectives,</a:t>
-            </a:r>
-          </a:p>
-          <a:p>
-            <a:pPr marL="457200" indent="-457200">
-              <a:spcAft>
-                <a:spcPts val="600"/>
-              </a:spcAft>
-              <a:buClr>
-                <a:srgbClr val="3333B2"/>
-              </a:buClr>
-              <a:buFont typeface="Wingdings" pitchFamily="2" charset="2"/>
-              <a:buChar char="Ø"/>
-            </a:pPr>
-            <a:r>
-              <a:rPr lang="en-GB" sz="2800"/>
-              <a:t>A list of open questions or problems, and</a:t>
-            </a:r>
-          </a:p>
-          <a:p>
-            <a:pPr marL="457200" indent="-457200">
-              <a:spcAft>
-                <a:spcPts val="600"/>
-              </a:spcAft>
-              <a:buClr>
-                <a:srgbClr val="3333B2"/>
-              </a:buClr>
-              <a:buFont typeface="Wingdings" pitchFamily="2" charset="2"/>
-              <a:buChar char="Ø"/>
-            </a:pPr>
-            <a:r>
-              <a:rPr lang="en-GB" sz="2800"/>
-              <a:t>Your plan for completing the project, inc. required deliverables.</a:t>
-            </a:r>
-          </a:p>
-        </p:txBody>
-      </p:sp>
-      <p:sp>
-        <p:nvSpPr>
-          <p:cNvPr id="37" name="TextBox 36">
-            <a:extLst>
-              <a:ext uri="{FF2B5EF4-FFF2-40B4-BE49-F238E27FC236}">
-                <a16:creationId xmlns:a16="http://schemas.microsoft.com/office/drawing/2014/main" id="{AF5C775F-4042-1E20-3138-8B143AEEBD5B}"/>
-              </a:ext>
-            </a:extLst>
-          </p:cNvPr>
-          <p:cNvSpPr txBox="1"/>
-          <p:nvPr/>
-        </p:nvSpPr>
-        <p:spPr>
-          <a:xfrm>
-            <a:off x="883590" y="285668"/>
-            <a:ext cx="16064707" cy="923330"/>
-          </a:xfrm>
-          <a:prstGeom prst="rect">
-            <a:avLst/>
-          </a:prstGeom>
-          <a:noFill/>
-        </p:spPr>
-        <p:txBody>
-          <a:bodyPr wrap="square" rtlCol="0">
-            <a:spAutoFit/>
-          </a:bodyPr>
-          <a:lstStyle/>
-          <a:p>
-            <a:r>
-              <a:rPr lang="en-GB" sz="5400">
-                <a:solidFill>
-                  <a:schemeClr val="bg1"/>
-                </a:solidFill>
-                <a:latin typeface="+mj-lt"/>
-              </a:rPr>
-              <a:t>Some Structural Guidelines for CS Final Year Posters</a:t>
-            </a:r>
-          </a:p>
-        </p:txBody>
-      </p:sp>
-      <p:sp>
-        <p:nvSpPr>
-          <p:cNvPr id="38" name="TextBox 37">
-            <a:extLst>
-              <a:ext uri="{FF2B5EF4-FFF2-40B4-BE49-F238E27FC236}">
-                <a16:creationId xmlns:a16="http://schemas.microsoft.com/office/drawing/2014/main" id="{152C0750-6E95-57AF-CB4C-1CBD0EF9D70F}"/>
-              </a:ext>
-            </a:extLst>
-          </p:cNvPr>
-          <p:cNvSpPr txBox="1"/>
-          <p:nvPr/>
-        </p:nvSpPr>
-        <p:spPr>
-          <a:xfrm>
-            <a:off x="883590" y="1299951"/>
-            <a:ext cx="16064707" cy="584775"/>
-          </a:xfrm>
-          <a:prstGeom prst="rect">
-            <a:avLst/>
-          </a:prstGeom>
-          <a:noFill/>
-        </p:spPr>
-        <p:txBody>
-          <a:bodyPr wrap="square" rtlCol="0">
-            <a:spAutoFit/>
-          </a:bodyPr>
-          <a:lstStyle/>
-          <a:p>
-            <a:r>
-              <a:rPr lang="en-GB" sz="3200">
-                <a:solidFill>
-                  <a:schemeClr val="bg1"/>
-                </a:solidFill>
-                <a:latin typeface="+mj-lt"/>
-              </a:rPr>
-              <a:t>Student: Important Person, Supervisor: Academic Guide</a:t>
-            </a:r>
-          </a:p>
-        </p:txBody>
-      </p:sp>
-      <p:sp>
-        <p:nvSpPr>
-          <p:cNvPr id="39" name="TextBox 38">
-            <a:extLst>
-              <a:ext uri="{FF2B5EF4-FFF2-40B4-BE49-F238E27FC236}">
-                <a16:creationId xmlns:a16="http://schemas.microsoft.com/office/drawing/2014/main" id="{047843CD-9C3E-71DE-AE8E-7B9B4BDFF195}"/>
-              </a:ext>
-            </a:extLst>
-          </p:cNvPr>
-          <p:cNvSpPr txBox="1"/>
-          <p:nvPr/>
-        </p:nvSpPr>
-        <p:spPr>
-          <a:xfrm>
-            <a:off x="883590" y="2069759"/>
-            <a:ext cx="16064707" cy="584775"/>
-          </a:xfrm>
-          <a:prstGeom prst="rect">
-            <a:avLst/>
-          </a:prstGeom>
-          <a:noFill/>
-        </p:spPr>
-        <p:txBody>
-          <a:bodyPr wrap="square" rtlCol="0">
-            <a:spAutoFit/>
-          </a:bodyPr>
-          <a:lstStyle/>
-          <a:p>
-            <a:r>
-              <a:rPr lang="en-GB" sz="3200">
-                <a:solidFill>
-                  <a:schemeClr val="bg1"/>
-                </a:solidFill>
-                <a:latin typeface="+mj-lt"/>
-              </a:rPr>
-              <a:t>University of Bristol, Department of Computer Science</a:t>
-            </a:r>
+              <a:rPr lang="en-US" sz="2800" dirty="0"/>
+              <a:t>A Bayesian network [1] is a probabilistic graphical model which uses is represented by a directed acyclic graph (DAG). The nodes in the DAG represents variables, the arcs </a:t>
+            </a:r>
+            <a:r>
+              <a:rPr lang="en-US" sz="2800" dirty="0" err="1"/>
+              <a:t>signifiy</a:t>
+            </a:r>
+            <a:r>
+              <a:rPr lang="en-US" sz="2800" dirty="0"/>
+              <a:t> the existence of causal influences between the linked variables, and the strength of these influences are expressed by forward conditional probabilities [3]. </a:t>
+            </a:r>
+            <a:endParaRPr lang="en-GB" sz="2800" dirty="0"/>
           </a:p>
         </p:txBody>
       </p:sp>
@@ -5140,10 +5043,16 @@
 <file path=customXml/itemProps2.xml><?xml version="1.0" encoding="utf-8"?>
 <ds:datastoreItem xmlns:ds="http://schemas.openxmlformats.org/officeDocument/2006/customXml" ds:itemID="{B7A705B8-9F9C-467C-979A-1E9F87F3CFB8}">
   <ds:schemaRefs>
+    <ds:schemaRef ds:uri="http://schemas.microsoft.com/office/2006/metadata/properties"/>
+    <ds:schemaRef ds:uri="43a52eff-ed1c-4fdd-b62e-4c23c9b1b736"/>
+    <ds:schemaRef ds:uri="http://purl.org/dc/elements/1.1/"/>
+    <ds:schemaRef ds:uri="http://purl.org/dc/dcmitype/"/>
+    <ds:schemaRef ds:uri="http://schemas.openxmlformats.org/package/2006/metadata/core-properties"/>
+    <ds:schemaRef ds:uri="http://www.w3.org/XML/1998/namespace"/>
+    <ds:schemaRef ds:uri="http://schemas.microsoft.com/office/2006/documentManagement/types"/>
     <ds:schemaRef ds:uri="1c98551c-bc54-44c1-b144-016d504a8fc1"/>
-    <ds:schemaRef ds:uri="43a52eff-ed1c-4fdd-b62e-4c23c9b1b736"/>
-    <ds:schemaRef ds:uri="http://schemas.microsoft.com/office/2006/metadata/properties"/>
     <ds:schemaRef ds:uri="http://schemas.microsoft.com/office/infopath/2007/PartnerControls"/>
+    <ds:schemaRef ds:uri="http://purl.org/dc/terms/"/>
   </ds:schemaRefs>
 </ds:datastoreItem>
 </file>
